--- a/图/第一章/新建 PPT 演示文稿.pptx
+++ b/图/第一章/新建 PPT 演示文稿.pptx
@@ -3229,9 +3229,9 @@
         <p:grpSpPr>
           <a:xfrm>
             <a:off x="11482070" y="6816090"/>
-            <a:ext cx="12699365" cy="14968220"/>
+            <a:ext cx="12699365" cy="14968855"/>
             <a:chOff x="18082" y="10734"/>
-            <a:chExt cx="19999" cy="23572"/>
+            <a:chExt cx="19999" cy="23573"/>
           </a:xfrm>
         </p:grpSpPr>
         <p:grpSp>
@@ -6902,7 +6902,7 @@
           </p:nvSpPr>
           <p:spPr>
             <a:xfrm>
-              <a:off x="18423" y="12557"/>
+              <a:off x="18650" y="12784"/>
               <a:ext cx="1067" cy="3197"/>
             </a:xfrm>
             <a:prstGeom prst="rect">
@@ -6916,10 +6916,10 @@
             </a:bodyPr>
             <a:p>
               <a:r>
-                <a:rPr lang="zh-CN" altLang="en-US" sz="5400" b="1"/>
+                <a:rPr lang="zh-CN" altLang="en-US" sz="4400" b="1"/>
                 <a:t>信号特性理解</a:t>
               </a:r>
-              <a:endParaRPr lang="zh-CN" altLang="en-US" sz="5400" b="1"/>
+              <a:endParaRPr lang="zh-CN" altLang="en-US" sz="4400" b="1"/>
             </a:p>
           </p:txBody>
         </p:sp>
@@ -6931,7 +6931,7 @@
           </p:nvSpPr>
           <p:spPr>
             <a:xfrm>
-              <a:off x="18423" y="20858"/>
+              <a:off x="18650" y="21159"/>
               <a:ext cx="1067" cy="3197"/>
             </a:xfrm>
             <a:prstGeom prst="rect">
@@ -6945,10 +6945,10 @@
             </a:bodyPr>
             <a:p>
               <a:r>
-                <a:rPr lang="zh-CN" altLang="en-US" sz="5400" b="1"/>
+                <a:rPr lang="zh-CN" altLang="en-US" sz="4400" b="1"/>
                 <a:t>方案模型与实验验证</a:t>
               </a:r>
-              <a:endParaRPr lang="zh-CN" altLang="en-US" sz="5400" b="1"/>
+              <a:endParaRPr lang="zh-CN" altLang="en-US" sz="4400" b="1"/>
             </a:p>
           </p:txBody>
         </p:sp>

--- a/图/第一章/新建 PPT 演示文稿.pptx
+++ b/图/第一章/新建 PPT 演示文稿.pptx
@@ -3222,16 +3222,16 @@
       <p:grpSpPr/>
       <p:grpSp>
         <p:nvGrpSpPr>
-          <p:cNvPr id="27" name="组合 26"/>
+          <p:cNvPr id="112" name="组合 111"/>
           <p:cNvGrpSpPr/>
           <p:nvPr/>
         </p:nvGrpSpPr>
         <p:grpSpPr>
           <a:xfrm>
             <a:off x="11482070" y="6816090"/>
-            <a:ext cx="12699365" cy="14968855"/>
+            <a:ext cx="12699365" cy="16315055"/>
             <a:chOff x="18082" y="10734"/>
-            <a:chExt cx="19999" cy="23573"/>
+            <a:chExt cx="19999" cy="25693"/>
           </a:xfrm>
         </p:grpSpPr>
         <p:grpSp>
@@ -3352,38 +3352,232 @@
             </p:txBody>
           </p:sp>
         </p:grpSp>
+        <p:sp>
+          <p:nvSpPr>
+            <p:cNvPr id="2" name="矩形 1"/>
+            <p:cNvSpPr/>
+            <p:nvPr/>
+          </p:nvSpPr>
+          <p:spPr>
+            <a:xfrm>
+              <a:off x="20195" y="12557"/>
+              <a:ext cx="8655" cy="10116"/>
+            </a:xfrm>
+            <a:prstGeom prst="rect">
+              <a:avLst/>
+            </a:prstGeom>
+            <a:solidFill>
+              <a:schemeClr val="accent2">
+                <a:lumMod val="20000"/>
+                <a:lumOff val="80000"/>
+              </a:schemeClr>
+            </a:solidFill>
+            <a:ln w="25400">
+              <a:solidFill>
+                <a:schemeClr val="tx1"/>
+              </a:solidFill>
+            </a:ln>
+          </p:spPr>
+          <p:style>
+            <a:lnRef idx="2">
+              <a:schemeClr val="accent1">
+                <a:lumMod val="75000"/>
+              </a:schemeClr>
+            </a:lnRef>
+            <a:fillRef idx="1">
+              <a:schemeClr val="accent1"/>
+            </a:fillRef>
+            <a:effectRef idx="0">
+              <a:srgbClr val="FFFFFF"/>
+            </a:effectRef>
+            <a:fontRef idx="minor">
+              <a:schemeClr val="lt1"/>
+            </a:fontRef>
+          </p:style>
+          <p:txBody>
+            <a:bodyPr rtlCol="0" anchor="ctr"/>
+            <a:p>
+              <a:pPr algn="ctr"/>
+              <a:endParaRPr lang="zh-CN" altLang="en-US"/>
+            </a:p>
+          </p:txBody>
+        </p:sp>
+        <p:sp>
+          <p:nvSpPr>
+            <p:cNvPr id="4" name="文本框 3"/>
+            <p:cNvSpPr txBox="1"/>
+            <p:nvPr/>
+          </p:nvSpPr>
+          <p:spPr>
+            <a:xfrm>
+              <a:off x="20216" y="12784"/>
+              <a:ext cx="8634" cy="725"/>
+            </a:xfrm>
+            <a:prstGeom prst="rect">
+              <a:avLst/>
+            </a:prstGeom>
+            <a:noFill/>
+          </p:spPr>
+          <p:txBody>
+            <a:bodyPr wrap="square" rtlCol="0">
+              <a:spAutoFit/>
+            </a:bodyPr>
+            <a:p>
+              <a:pPr algn="ctr"/>
+              <a:r>
+                <a:rPr lang="zh-CN" altLang="en-US" sz="2400" b="1">
+                  <a:latin typeface="+mn-ea"/>
+                  <a:ea typeface="+mn-ea"/>
+                  <a:cs typeface="+mn-ea"/>
+                </a:rPr>
+                <a:t>第二章</a:t>
+              </a:r>
+              <a:r>
+                <a:rPr lang="en-US" altLang="zh-CN" sz="2400" b="1">
+                  <a:latin typeface="+mn-ea"/>
+                  <a:ea typeface="+mn-ea"/>
+                  <a:cs typeface="+mn-ea"/>
+                </a:rPr>
+                <a:t> </a:t>
+              </a:r>
+              <a:r>
+                <a:rPr lang="zh-CN" altLang="en-US" sz="2400" b="1">
+                  <a:latin typeface="+mn-ea"/>
+                  <a:ea typeface="+mn-ea"/>
+                  <a:cs typeface="+mn-ea"/>
+                </a:rPr>
+                <a:t>水下工程声信号特性分析</a:t>
+              </a:r>
+              <a:endParaRPr lang="zh-CN" altLang="en-US" sz="2400" b="1">
+                <a:latin typeface="+mn-ea"/>
+                <a:ea typeface="+mn-ea"/>
+                <a:cs typeface="+mn-ea"/>
+              </a:endParaRPr>
+            </a:p>
+          </p:txBody>
+        </p:sp>
         <p:grpSp>
           <p:nvGrpSpPr>
-            <p:cNvPr id="26" name="组合 25"/>
+            <p:cNvPr id="10" name="组合 9"/>
             <p:cNvGrpSpPr/>
             <p:nvPr/>
           </p:nvGrpSpPr>
           <p:grpSpPr>
             <a:xfrm rot="0">
-              <a:off x="20195" y="12557"/>
-              <a:ext cx="8655" cy="7996"/>
-              <a:chOff x="26341" y="25808"/>
-              <a:chExt cx="8655" cy="7996"/>
+              <a:off x="21149" y="15505"/>
+              <a:ext cx="6657" cy="3040"/>
+              <a:chOff x="34520" y="26723"/>
+              <a:chExt cx="6657" cy="3040"/>
             </a:xfrm>
+            <a:solidFill>
+              <a:schemeClr val="accent2">
+                <a:lumMod val="40000"/>
+                <a:lumOff val="60000"/>
+              </a:schemeClr>
+            </a:solidFill>
           </p:grpSpPr>
           <p:sp>
             <p:nvSpPr>
-              <p:cNvPr id="2" name="矩形 1"/>
+              <p:cNvPr id="11" name="矩形 10"/>
               <p:cNvSpPr/>
               <p:nvPr/>
             </p:nvSpPr>
             <p:spPr>
               <a:xfrm>
-                <a:off x="26341" y="25808"/>
-                <a:ext cx="8655" cy="7996"/>
+                <a:off x="34520" y="26723"/>
+                <a:ext cx="6657" cy="1355"/>
+              </a:xfrm>
+              <a:prstGeom prst="rect">
+                <a:avLst/>
+              </a:prstGeom>
+              <a:grpFill/>
+              <a:ln w="25400">
+                <a:solidFill>
+                  <a:schemeClr val="tx1"/>
+                </a:solidFill>
+              </a:ln>
+            </p:spPr>
+            <p:style>
+              <a:lnRef idx="2">
+                <a:schemeClr val="accent1">
+                  <a:lumMod val="75000"/>
+                </a:schemeClr>
+              </a:lnRef>
+              <a:fillRef idx="1">
+                <a:schemeClr val="accent1"/>
+              </a:fillRef>
+              <a:effectRef idx="0">
+                <a:srgbClr val="FFFFFF"/>
+              </a:effectRef>
+              <a:fontRef idx="minor">
+                <a:schemeClr val="lt1"/>
+              </a:fontRef>
+            </p:style>
+            <p:txBody>
+              <a:bodyPr rtlCol="0" anchor="ctr"/>
+              <a:p>
+                <a:pPr algn="ctr"/>
+                <a:endParaRPr lang="zh-CN" altLang="en-US"/>
+              </a:p>
+            </p:txBody>
+          </p:sp>
+          <p:sp>
+            <p:nvSpPr>
+              <p:cNvPr id="12" name="文本框 11"/>
+              <p:cNvSpPr txBox="1"/>
+              <p:nvPr/>
+            </p:nvSpPr>
+            <p:spPr>
+              <a:xfrm>
+                <a:off x="34824" y="27038"/>
+                <a:ext cx="6028" cy="725"/>
+              </a:xfrm>
+              <a:prstGeom prst="rect">
+                <a:avLst/>
+              </a:prstGeom>
+              <a:grpFill/>
+            </p:spPr>
+            <p:txBody>
+              <a:bodyPr wrap="square" rtlCol="0">
+                <a:spAutoFit/>
+              </a:bodyPr>
+              <a:p>
+                <a:pPr algn="ctr"/>
+                <a:r>
+                  <a:rPr lang="zh-CN" altLang="en-US" sz="2400" b="1">
+                    <a:latin typeface="+mn-ea"/>
+                    <a:ea typeface="+mn-ea"/>
+                    <a:cs typeface="+mn-ea"/>
+                    <a:sym typeface="+mn-ea"/>
+                  </a:rPr>
+                  <a:t>海洋背景噪声来源与特性</a:t>
+                </a:r>
+                <a:endParaRPr lang="zh-CN" sz="2400" b="1">
+                  <a:latin typeface="+mn-ea"/>
+                  <a:ea typeface="+mn-ea"/>
+                  <a:cs typeface="+mn-ea"/>
+                </a:endParaRPr>
+              </a:p>
+            </p:txBody>
+          </p:sp>
+          <p:sp>
+            <p:nvSpPr>
+              <p:cNvPr id="29" name="矩形 28"/>
+              <p:cNvSpPr/>
+              <p:nvPr/>
+            </p:nvSpPr>
+            <p:spPr>
+              <a:xfrm>
+                <a:off x="34520" y="28408"/>
+                <a:ext cx="6657" cy="1355"/>
               </a:xfrm>
               <a:prstGeom prst="rect">
                 <a:avLst/>
               </a:prstGeom>
               <a:solidFill>
                 <a:schemeClr val="accent2">
-                  <a:lumMod val="20000"/>
-                  <a:lumOff val="80000"/>
+                  <a:lumMod val="40000"/>
+                  <a:lumOff val="60000"/>
                 </a:schemeClr>
               </a:solidFill>
               <a:ln w="25400">
@@ -3418,19 +3612,24 @@
           </p:sp>
           <p:sp>
             <p:nvSpPr>
-              <p:cNvPr id="4" name="文本框 3"/>
+              <p:cNvPr id="30" name="文本框 29"/>
               <p:cNvSpPr txBox="1"/>
               <p:nvPr/>
             </p:nvSpPr>
             <p:spPr>
               <a:xfrm>
-                <a:off x="26362" y="26035"/>
-                <a:ext cx="8634" cy="725"/>
+                <a:off x="34824" y="28723"/>
+                <a:ext cx="6028" cy="725"/>
               </a:xfrm>
               <a:prstGeom prst="rect">
                 <a:avLst/>
               </a:prstGeom>
-              <a:noFill/>
+              <a:solidFill>
+                <a:schemeClr val="accent2">
+                  <a:lumMod val="40000"/>
+                  <a:lumOff val="60000"/>
+                </a:schemeClr>
+              </a:solidFill>
             </p:spPr>
             <p:txBody>
               <a:bodyPr wrap="square" rtlCol="0">
@@ -3443,24 +3642,114 @@
                     <a:latin typeface="+mn-ea"/>
                     <a:ea typeface="+mn-ea"/>
                     <a:cs typeface="+mn-ea"/>
+                    <a:sym typeface="+mn-ea"/>
                   </a:rPr>
-                  <a:t>第二章</a:t>
+                  <a:t>水下工程声信号采集系统</a:t>
                 </a:r>
+                <a:endParaRPr lang="zh-CN" sz="2400" b="1">
+                  <a:latin typeface="+mn-ea"/>
+                  <a:ea typeface="+mn-ea"/>
+                  <a:cs typeface="+mn-ea"/>
+                </a:endParaRPr>
+              </a:p>
+            </p:txBody>
+          </p:sp>
+        </p:grpSp>
+        <p:grpSp>
+          <p:nvGrpSpPr>
+            <p:cNvPr id="13" name="组合 12"/>
+            <p:cNvGrpSpPr/>
+            <p:nvPr/>
+          </p:nvGrpSpPr>
+          <p:grpSpPr>
+            <a:xfrm rot="0">
+              <a:off x="21149" y="13804"/>
+              <a:ext cx="6657" cy="1355"/>
+              <a:chOff x="34520" y="26723"/>
+              <a:chExt cx="6657" cy="1355"/>
+            </a:xfrm>
+            <a:solidFill>
+              <a:schemeClr val="accent2">
+                <a:lumMod val="40000"/>
+                <a:lumOff val="60000"/>
+              </a:schemeClr>
+            </a:solidFill>
+          </p:grpSpPr>
+          <p:sp>
+            <p:nvSpPr>
+              <p:cNvPr id="14" name="矩形 13"/>
+              <p:cNvSpPr/>
+              <p:nvPr/>
+            </p:nvSpPr>
+            <p:spPr>
+              <a:xfrm>
+                <a:off x="34520" y="26723"/>
+                <a:ext cx="6657" cy="1355"/>
+              </a:xfrm>
+              <a:prstGeom prst="rect">
+                <a:avLst/>
+              </a:prstGeom>
+              <a:grpFill/>
+              <a:ln w="25400">
+                <a:solidFill>
+                  <a:schemeClr val="tx1"/>
+                </a:solidFill>
+              </a:ln>
+            </p:spPr>
+            <p:style>
+              <a:lnRef idx="2">
+                <a:schemeClr val="accent1">
+                  <a:lumMod val="75000"/>
+                </a:schemeClr>
+              </a:lnRef>
+              <a:fillRef idx="1">
+                <a:schemeClr val="accent1"/>
+              </a:fillRef>
+              <a:effectRef idx="0">
+                <a:srgbClr val="FFFFFF"/>
+              </a:effectRef>
+              <a:fontRef idx="minor">
+                <a:schemeClr val="lt1"/>
+              </a:fontRef>
+            </p:style>
+            <p:txBody>
+              <a:bodyPr rtlCol="0" anchor="ctr"/>
+              <a:p>
+                <a:pPr algn="ctr"/>
+                <a:endParaRPr lang="zh-CN" altLang="en-US"/>
+              </a:p>
+            </p:txBody>
+          </p:sp>
+          <p:sp>
+            <p:nvSpPr>
+              <p:cNvPr id="15" name="文本框 14"/>
+              <p:cNvSpPr txBox="1"/>
+              <p:nvPr/>
+            </p:nvSpPr>
+            <p:spPr>
+              <a:xfrm>
+                <a:off x="34824" y="27038"/>
+                <a:ext cx="6028" cy="725"/>
+              </a:xfrm>
+              <a:prstGeom prst="rect">
+                <a:avLst/>
+              </a:prstGeom>
+              <a:grpFill/>
+            </p:spPr>
+            <p:txBody>
+              <a:bodyPr wrap="square" rtlCol="0">
+                <a:spAutoFit/>
+              </a:bodyPr>
+              <a:p>
+                <a:pPr algn="ctr"/>
                 <a:r>
-                  <a:rPr lang="en-US" altLang="zh-CN" sz="2400" b="1">
+                  <a:rPr lang="zh-CN" sz="2400" b="1">
                     <a:latin typeface="+mn-ea"/>
                     <a:ea typeface="+mn-ea"/>
                     <a:cs typeface="+mn-ea"/>
+                    <a:sym typeface="+mn-ea"/>
                   </a:rPr>
-                  <a:t> </a:t>
-                </a:r>
-                <a:r>
-                  <a:rPr lang="zh-CN" altLang="en-US" sz="2400" b="1">
-                    <a:latin typeface="+mn-ea"/>
-                    <a:ea typeface="+mn-ea"/>
-                    <a:cs typeface="+mn-ea"/>
-                  </a:rPr>
-                  <a:t>水下声学特性分析</a:t>
+                  <a:t>水下工程声信号相关参数</a:t>
                 </a:r>
                 <a:endParaRPr lang="zh-CN" altLang="en-US" sz="2400" b="1">
                   <a:latin typeface="+mn-ea"/>
@@ -3470,214 +3759,21 @@
               </a:p>
             </p:txBody>
           </p:sp>
-          <p:grpSp>
-            <p:nvGrpSpPr>
-              <p:cNvPr id="10" name="组合 9"/>
-              <p:cNvGrpSpPr/>
-              <p:nvPr/>
-            </p:nvGrpSpPr>
-            <p:grpSpPr>
-              <a:xfrm>
-                <a:off x="27295" y="28756"/>
-                <a:ext cx="6657" cy="1355"/>
-                <a:chOff x="34520" y="26723"/>
-                <a:chExt cx="6657" cy="1355"/>
-              </a:xfrm>
-              <a:solidFill>
-                <a:schemeClr val="accent2">
-                  <a:lumMod val="40000"/>
-                  <a:lumOff val="60000"/>
-                </a:schemeClr>
-              </a:solidFill>
-            </p:grpSpPr>
-            <p:sp>
-              <p:nvSpPr>
-                <p:cNvPr id="11" name="矩形 10"/>
-                <p:cNvSpPr/>
-                <p:nvPr/>
-              </p:nvSpPr>
-              <p:spPr>
-                <a:xfrm>
-                  <a:off x="34520" y="26723"/>
-                  <a:ext cx="6657" cy="1355"/>
-                </a:xfrm>
-                <a:prstGeom prst="rect">
-                  <a:avLst/>
-                </a:prstGeom>
-                <a:grpFill/>
-                <a:ln w="25400">
-                  <a:solidFill>
-                    <a:schemeClr val="tx1"/>
-                  </a:solidFill>
-                </a:ln>
-              </p:spPr>
-              <p:style>
-                <a:lnRef idx="2">
-                  <a:schemeClr val="accent1">
-                    <a:lumMod val="75000"/>
-                  </a:schemeClr>
-                </a:lnRef>
-                <a:fillRef idx="1">
-                  <a:schemeClr val="accent1"/>
-                </a:fillRef>
-                <a:effectRef idx="0">
-                  <a:srgbClr val="FFFFFF"/>
-                </a:effectRef>
-                <a:fontRef idx="minor">
-                  <a:schemeClr val="lt1"/>
-                </a:fontRef>
-              </p:style>
-              <p:txBody>
-                <a:bodyPr rtlCol="0" anchor="ctr"/>
-                <a:p>
-                  <a:pPr algn="ctr"/>
-                  <a:endParaRPr lang="zh-CN" altLang="en-US"/>
-                </a:p>
-              </p:txBody>
-            </p:sp>
-            <p:sp>
-              <p:nvSpPr>
-                <p:cNvPr id="12" name="文本框 11"/>
-                <p:cNvSpPr txBox="1"/>
-                <p:nvPr/>
-              </p:nvSpPr>
-              <p:spPr>
-                <a:xfrm>
-                  <a:off x="34824" y="27038"/>
-                  <a:ext cx="6028" cy="725"/>
-                </a:xfrm>
-                <a:prstGeom prst="rect">
-                  <a:avLst/>
-                </a:prstGeom>
-                <a:grpFill/>
-              </p:spPr>
-              <p:txBody>
-                <a:bodyPr wrap="square" rtlCol="0">
-                  <a:spAutoFit/>
-                </a:bodyPr>
-                <a:p>
-                  <a:pPr algn="ctr"/>
-                  <a:r>
-                    <a:rPr lang="zh-CN" sz="2400" b="1">
-                      <a:latin typeface="+mn-ea"/>
-                      <a:ea typeface="+mn-ea"/>
-                      <a:cs typeface="+mn-ea"/>
-                    </a:rPr>
-                    <a:t>水下工程声信号相关参数</a:t>
-                  </a:r>
-                  <a:endParaRPr lang="zh-CN" sz="2400" b="1">
-                    <a:latin typeface="+mn-ea"/>
-                    <a:ea typeface="+mn-ea"/>
-                    <a:cs typeface="+mn-ea"/>
-                  </a:endParaRPr>
-                </a:p>
-              </p:txBody>
-            </p:sp>
-          </p:grpSp>
-          <p:grpSp>
-            <p:nvGrpSpPr>
-              <p:cNvPr id="13" name="组合 12"/>
-              <p:cNvGrpSpPr/>
-              <p:nvPr/>
-            </p:nvGrpSpPr>
-            <p:grpSpPr>
-              <a:xfrm>
-                <a:off x="27295" y="27055"/>
-                <a:ext cx="6657" cy="1355"/>
-                <a:chOff x="34520" y="26723"/>
-                <a:chExt cx="6657" cy="1355"/>
-              </a:xfrm>
-              <a:solidFill>
-                <a:schemeClr val="accent2">
-                  <a:lumMod val="40000"/>
-                  <a:lumOff val="60000"/>
-                </a:schemeClr>
-              </a:solidFill>
-            </p:grpSpPr>
-            <p:sp>
-              <p:nvSpPr>
-                <p:cNvPr id="14" name="矩形 13"/>
-                <p:cNvSpPr/>
-                <p:nvPr/>
-              </p:nvSpPr>
-              <p:spPr>
-                <a:xfrm>
-                  <a:off x="34520" y="26723"/>
-                  <a:ext cx="6657" cy="1355"/>
-                </a:xfrm>
-                <a:prstGeom prst="rect">
-                  <a:avLst/>
-                </a:prstGeom>
-                <a:grpFill/>
-                <a:ln w="25400">
-                  <a:solidFill>
-                    <a:schemeClr val="tx1"/>
-                  </a:solidFill>
-                </a:ln>
-              </p:spPr>
-              <p:style>
-                <a:lnRef idx="2">
-                  <a:schemeClr val="accent1">
-                    <a:lumMod val="75000"/>
-                  </a:schemeClr>
-                </a:lnRef>
-                <a:fillRef idx="1">
-                  <a:schemeClr val="accent1"/>
-                </a:fillRef>
-                <a:effectRef idx="0">
-                  <a:srgbClr val="FFFFFF"/>
-                </a:effectRef>
-                <a:fontRef idx="minor">
-                  <a:schemeClr val="lt1"/>
-                </a:fontRef>
-              </p:style>
-              <p:txBody>
-                <a:bodyPr rtlCol="0" anchor="ctr"/>
-                <a:p>
-                  <a:pPr algn="ctr"/>
-                  <a:endParaRPr lang="zh-CN" altLang="en-US"/>
-                </a:p>
-              </p:txBody>
-            </p:sp>
-            <p:sp>
-              <p:nvSpPr>
-                <p:cNvPr id="15" name="文本框 14"/>
-                <p:cNvSpPr txBox="1"/>
-                <p:nvPr/>
-              </p:nvSpPr>
-              <p:spPr>
-                <a:xfrm>
-                  <a:off x="34824" y="27038"/>
-                  <a:ext cx="6028" cy="725"/>
-                </a:xfrm>
-                <a:prstGeom prst="rect">
-                  <a:avLst/>
-                </a:prstGeom>
-                <a:grpFill/>
-              </p:spPr>
-              <p:txBody>
-                <a:bodyPr wrap="square" rtlCol="0">
-                  <a:spAutoFit/>
-                </a:bodyPr>
-                <a:p>
-                  <a:pPr algn="ctr"/>
-                  <a:r>
-                    <a:rPr lang="zh-CN" altLang="en-US" sz="2400" b="1">
-                      <a:latin typeface="+mn-ea"/>
-                      <a:ea typeface="+mn-ea"/>
-                      <a:cs typeface="+mn-ea"/>
-                    </a:rPr>
-                    <a:t>海洋背景噪声特性</a:t>
-                  </a:r>
-                  <a:endParaRPr lang="zh-CN" altLang="en-US" sz="2400" b="1">
-                    <a:latin typeface="+mn-ea"/>
-                    <a:ea typeface="+mn-ea"/>
-                    <a:cs typeface="+mn-ea"/>
-                  </a:endParaRPr>
-                </a:p>
-              </p:txBody>
-            </p:sp>
-          </p:grpSp>
+        </p:grpSp>
+        <p:grpSp>
+          <p:nvGrpSpPr>
+            <p:cNvPr id="28" name="组合 27"/>
+            <p:cNvGrpSpPr/>
+            <p:nvPr/>
+          </p:nvGrpSpPr>
+          <p:grpSpPr>
+            <a:xfrm>
+              <a:off x="21144" y="18885"/>
+              <a:ext cx="6656" cy="3272"/>
+              <a:chOff x="21149" y="17232"/>
+              <a:chExt cx="6656" cy="3272"/>
+            </a:xfrm>
+          </p:grpSpPr>
           <p:grpSp>
             <p:nvGrpSpPr>
               <p:cNvPr id="16" name="组合 15"/>
@@ -3685,11 +3781,11 @@
               <p:nvPr/>
             </p:nvGrpSpPr>
             <p:grpSpPr>
-              <a:xfrm>
-                <a:off x="27295" y="30483"/>
-                <a:ext cx="6657" cy="2712"/>
+              <a:xfrm rot="0">
+                <a:off x="21149" y="17232"/>
+                <a:ext cx="6657" cy="3272"/>
                 <a:chOff x="34520" y="26723"/>
-                <a:chExt cx="6657" cy="1355"/>
+                <a:chExt cx="6657" cy="1635"/>
               </a:xfrm>
               <a:solidFill>
                 <a:schemeClr val="accent2">
@@ -3707,7 +3803,7 @@
               <p:spPr>
                 <a:xfrm>
                   <a:off x="34520" y="26723"/>
-                  <a:ext cx="6657" cy="1355"/>
+                  <a:ext cx="6657" cy="1635"/>
                 </a:xfrm>
                 <a:prstGeom prst="rect">
                   <a:avLst/>
@@ -3751,8 +3847,8 @@
               </p:nvSpPr>
               <p:spPr>
                 <a:xfrm>
-                  <a:off x="34608" y="26884"/>
-                  <a:ext cx="6436" cy="362"/>
+                  <a:off x="34608" y="26872"/>
+                  <a:ext cx="6436" cy="653"/>
                 </a:xfrm>
                 <a:prstGeom prst="rect">
                   <a:avLst/>
@@ -3771,7 +3867,23 @@
                       <a:ea typeface="+mn-ea"/>
                       <a:cs typeface="+mn-ea"/>
                     </a:rPr>
-                    <a:t>水下工程声信号来源与特性</a:t>
+                    <a:t>水下工程声信号采集</a:t>
+                  </a:r>
+                  <a:endParaRPr lang="zh-CN" sz="2400" b="1">
+                    <a:latin typeface="+mn-ea"/>
+                    <a:ea typeface="+mn-ea"/>
+                    <a:cs typeface="+mn-ea"/>
+                  </a:endParaRPr>
+                </a:p>
+                <a:p>
+                  <a:pPr algn="ctr"/>
+                  <a:r>
+                    <a:rPr lang="zh-CN" sz="2400" b="1">
+                      <a:latin typeface="+mn-ea"/>
+                      <a:ea typeface="+mn-ea"/>
+                      <a:cs typeface="+mn-ea"/>
+                    </a:rPr>
+                    <a:t>与时频特性分析</a:t>
                   </a:r>
                   <a:endParaRPr lang="zh-CN" sz="2400" b="1">
                     <a:latin typeface="+mn-ea"/>
@@ -3789,10 +3901,10 @@
               <p:nvPr/>
             </p:nvGrpSpPr>
             <p:grpSpPr>
-              <a:xfrm>
-                <a:off x="27756" y="31728"/>
+              <a:xfrm rot="0">
+                <a:off x="21610" y="19004"/>
                 <a:ext cx="2648" cy="1035"/>
-                <a:chOff x="34520" y="26723"/>
+                <a:chOff x="34520" y="27413"/>
                 <a:chExt cx="6657" cy="1355"/>
               </a:xfrm>
               <a:solidFill>
@@ -3810,7 +3922,7 @@
               </p:nvSpPr>
               <p:spPr>
                 <a:xfrm>
-                  <a:off x="34520" y="26723"/>
+                  <a:off x="34520" y="27413"/>
                   <a:ext cx="6657" cy="1355"/>
                 </a:xfrm>
                 <a:prstGeom prst="rect">
@@ -3855,7 +3967,7 @@
               </p:nvSpPr>
               <p:spPr>
                 <a:xfrm>
-                  <a:off x="34608" y="26925"/>
+                  <a:off x="34643" y="27562"/>
                   <a:ext cx="6436" cy="949"/>
                 </a:xfrm>
                 <a:prstGeom prst="rect">
@@ -3900,10 +4012,10 @@
               <p:nvPr/>
             </p:nvGrpSpPr>
             <p:grpSpPr>
-              <a:xfrm>
-                <a:off x="30897" y="31728"/>
+              <a:xfrm rot="0">
+                <a:off x="24698" y="19004"/>
                 <a:ext cx="2648" cy="1035"/>
-                <a:chOff x="34520" y="26723"/>
+                <a:chOff x="34387" y="27413"/>
                 <a:chExt cx="6657" cy="1355"/>
               </a:xfrm>
               <a:solidFill>
@@ -3921,7 +4033,7 @@
               </p:nvSpPr>
               <p:spPr>
                 <a:xfrm>
-                  <a:off x="34520" y="26723"/>
+                  <a:off x="34387" y="27413"/>
                   <a:ext cx="6657" cy="1355"/>
                 </a:xfrm>
                 <a:prstGeom prst="rect">
@@ -3966,7 +4078,7 @@
               </p:nvSpPr>
               <p:spPr>
                 <a:xfrm>
-                  <a:off x="34608" y="26925"/>
+                  <a:off x="34500" y="27562"/>
                   <a:ext cx="6436" cy="949"/>
                 </a:xfrm>
                 <a:prstGeom prst="rect">
@@ -4005,136 +4117,136 @@
             </p:sp>
           </p:grpSp>
         </p:grpSp>
+        <p:sp>
+          <p:nvSpPr>
+            <p:cNvPr id="47" name="矩形 46"/>
+            <p:cNvSpPr/>
+            <p:nvPr/>
+          </p:nvSpPr>
+          <p:spPr>
+            <a:xfrm>
+              <a:off x="29423" y="12557"/>
+              <a:ext cx="8655" cy="10116"/>
+            </a:xfrm>
+            <a:prstGeom prst="rect">
+              <a:avLst/>
+            </a:prstGeom>
+            <a:solidFill>
+              <a:schemeClr val="accent2">
+                <a:lumMod val="20000"/>
+                <a:lumOff val="80000"/>
+              </a:schemeClr>
+            </a:solidFill>
+            <a:ln w="25400">
+              <a:solidFill>
+                <a:schemeClr val="tx1"/>
+              </a:solidFill>
+            </a:ln>
+          </p:spPr>
+          <p:style>
+            <a:lnRef idx="2">
+              <a:schemeClr val="accent1">
+                <a:lumMod val="75000"/>
+              </a:schemeClr>
+            </a:lnRef>
+            <a:fillRef idx="1">
+              <a:schemeClr val="accent1"/>
+            </a:fillRef>
+            <a:effectRef idx="0">
+              <a:srgbClr val="FFFFFF"/>
+            </a:effectRef>
+            <a:fontRef idx="minor">
+              <a:schemeClr val="lt1"/>
+            </a:fontRef>
+          </p:style>
+          <p:txBody>
+            <a:bodyPr rtlCol="0" anchor="ctr"/>
+            <a:p>
+              <a:pPr algn="ctr"/>
+              <a:endParaRPr lang="zh-CN" altLang="en-US"/>
+            </a:p>
+          </p:txBody>
+        </p:sp>
+        <p:sp>
+          <p:nvSpPr>
+            <p:cNvPr id="48" name="文本框 47"/>
+            <p:cNvSpPr txBox="1"/>
+            <p:nvPr/>
+          </p:nvSpPr>
+          <p:spPr>
+            <a:xfrm>
+              <a:off x="29444" y="12784"/>
+              <a:ext cx="8634" cy="725"/>
+            </a:xfrm>
+            <a:prstGeom prst="rect">
+              <a:avLst/>
+            </a:prstGeom>
+            <a:noFill/>
+          </p:spPr>
+          <p:txBody>
+            <a:bodyPr wrap="square" rtlCol="0">
+              <a:spAutoFit/>
+            </a:bodyPr>
+            <a:p>
+              <a:pPr algn="ctr"/>
+              <a:r>
+                <a:rPr lang="zh-CN" altLang="en-US" sz="2400" b="1">
+                  <a:latin typeface="+mn-ea"/>
+                  <a:ea typeface="+mn-ea"/>
+                  <a:cs typeface="+mn-ea"/>
+                </a:rPr>
+                <a:t>第三章</a:t>
+              </a:r>
+              <a:r>
+                <a:rPr lang="en-US" altLang="zh-CN" sz="2400" b="1">
+                  <a:latin typeface="+mn-ea"/>
+                  <a:ea typeface="+mn-ea"/>
+                  <a:cs typeface="+mn-ea"/>
+                </a:rPr>
+                <a:t> </a:t>
+              </a:r>
+              <a:r>
+                <a:rPr lang="zh-CN" altLang="en-US" sz="2400" b="1">
+                  <a:latin typeface="+mn-ea"/>
+                  <a:ea typeface="+mn-ea"/>
+                  <a:cs typeface="+mn-ea"/>
+                </a:rPr>
+                <a:t>自监督学习策略</a:t>
+              </a:r>
+              <a:endParaRPr lang="zh-CN" altLang="en-US" sz="2400" b="1">
+                <a:latin typeface="+mn-ea"/>
+                <a:ea typeface="+mn-ea"/>
+                <a:cs typeface="+mn-ea"/>
+              </a:endParaRPr>
+            </a:p>
+          </p:txBody>
+        </p:sp>
         <p:grpSp>
           <p:nvGrpSpPr>
-            <p:cNvPr id="66" name="组合 65"/>
+            <p:cNvPr id="35" name="组合 34"/>
             <p:cNvGrpSpPr/>
             <p:nvPr/>
           </p:nvGrpSpPr>
           <p:grpSpPr>
-            <a:xfrm rot="0">
-              <a:off x="29423" y="12557"/>
-              <a:ext cx="8655" cy="7996"/>
-              <a:chOff x="35546" y="25808"/>
-              <a:chExt cx="8655" cy="7996"/>
+            <a:xfrm>
+              <a:off x="30213" y="13833"/>
+              <a:ext cx="7269" cy="2712"/>
+              <a:chOff x="30213" y="13833"/>
+              <a:chExt cx="7269" cy="2712"/>
             </a:xfrm>
           </p:grpSpPr>
-          <p:sp>
-            <p:nvSpPr>
-              <p:cNvPr id="47" name="矩形 46"/>
-              <p:cNvSpPr/>
-              <p:nvPr/>
-            </p:nvSpPr>
-            <p:spPr>
-              <a:xfrm>
-                <a:off x="35546" y="25808"/>
-                <a:ext cx="8655" cy="7996"/>
-              </a:xfrm>
-              <a:prstGeom prst="rect">
-                <a:avLst/>
-              </a:prstGeom>
-              <a:solidFill>
-                <a:schemeClr val="accent2">
-                  <a:lumMod val="20000"/>
-                  <a:lumOff val="80000"/>
-                </a:schemeClr>
-              </a:solidFill>
-              <a:ln w="25400">
-                <a:solidFill>
-                  <a:schemeClr val="tx1"/>
-                </a:solidFill>
-              </a:ln>
-            </p:spPr>
-            <p:style>
-              <a:lnRef idx="2">
-                <a:schemeClr val="accent1">
-                  <a:lumMod val="75000"/>
-                </a:schemeClr>
-              </a:lnRef>
-              <a:fillRef idx="1">
-                <a:schemeClr val="accent1"/>
-              </a:fillRef>
-              <a:effectRef idx="0">
-                <a:srgbClr val="FFFFFF"/>
-              </a:effectRef>
-              <a:fontRef idx="minor">
-                <a:schemeClr val="lt1"/>
-              </a:fontRef>
-            </p:style>
-            <p:txBody>
-              <a:bodyPr rtlCol="0" anchor="ctr"/>
-              <a:p>
-                <a:pPr algn="ctr"/>
-                <a:endParaRPr lang="zh-CN" altLang="en-US"/>
-              </a:p>
-            </p:txBody>
-          </p:sp>
-          <p:sp>
-            <p:nvSpPr>
-              <p:cNvPr id="48" name="文本框 47"/>
-              <p:cNvSpPr txBox="1"/>
-              <p:nvPr/>
-            </p:nvSpPr>
-            <p:spPr>
-              <a:xfrm>
-                <a:off x="35567" y="26035"/>
-                <a:ext cx="8634" cy="725"/>
-              </a:xfrm>
-              <a:prstGeom prst="rect">
-                <a:avLst/>
-              </a:prstGeom>
-              <a:noFill/>
-            </p:spPr>
-            <p:txBody>
-              <a:bodyPr wrap="square" rtlCol="0">
-                <a:spAutoFit/>
-              </a:bodyPr>
-              <a:p>
-                <a:pPr algn="ctr"/>
-                <a:r>
-                  <a:rPr lang="zh-CN" altLang="en-US" sz="2400" b="1">
-                    <a:latin typeface="+mn-ea"/>
-                    <a:ea typeface="+mn-ea"/>
-                    <a:cs typeface="+mn-ea"/>
-                  </a:rPr>
-                  <a:t>第三章</a:t>
-                </a:r>
-                <a:r>
-                  <a:rPr lang="en-US" altLang="zh-CN" sz="2400" b="1">
-                    <a:latin typeface="+mn-ea"/>
-                    <a:ea typeface="+mn-ea"/>
-                    <a:cs typeface="+mn-ea"/>
-                  </a:rPr>
-                  <a:t> </a:t>
-                </a:r>
-                <a:r>
-                  <a:rPr lang="zh-CN" altLang="en-US" sz="2400" b="1">
-                    <a:latin typeface="+mn-ea"/>
-                    <a:ea typeface="+mn-ea"/>
-                    <a:cs typeface="+mn-ea"/>
-                  </a:rPr>
-                  <a:t>水下工程声信号采集与分析</a:t>
-                </a:r>
-                <a:endParaRPr lang="zh-CN" altLang="en-US" sz="2400" b="1">
-                  <a:latin typeface="+mn-ea"/>
-                  <a:ea typeface="+mn-ea"/>
-                  <a:cs typeface="+mn-ea"/>
-                </a:endParaRPr>
-              </a:p>
-            </p:txBody>
-          </p:sp>
           <p:grpSp>
             <p:nvGrpSpPr>
-              <p:cNvPr id="49" name="组合 48"/>
+              <p:cNvPr id="55" name="组合 54"/>
               <p:cNvGrpSpPr/>
               <p:nvPr/>
             </p:nvGrpSpPr>
             <p:grpSpPr>
               <a:xfrm rot="0">
-                <a:off x="36500" y="31860"/>
-                <a:ext cx="6657" cy="1355"/>
-                <a:chOff x="34520" y="31373"/>
-                <a:chExt cx="6657" cy="1355"/>
+                <a:off x="30213" y="13833"/>
+                <a:ext cx="7269" cy="2712"/>
+                <a:chOff x="34345" y="26723"/>
+                <a:chExt cx="7269" cy="1355"/>
               </a:xfrm>
               <a:solidFill>
                 <a:schemeClr val="accent2">
@@ -4145,14 +4257,14 @@
             </p:grpSpPr>
             <p:sp>
               <p:nvSpPr>
-                <p:cNvPr id="50" name="矩形 49"/>
+                <p:cNvPr id="56" name="矩形 55"/>
                 <p:cNvSpPr/>
                 <p:nvPr/>
               </p:nvSpPr>
               <p:spPr>
                 <a:xfrm>
-                  <a:off x="34520" y="31373"/>
-                  <a:ext cx="6657" cy="1355"/>
+                  <a:off x="34345" y="26723"/>
+                  <a:ext cx="7269" cy="1355"/>
                 </a:xfrm>
                 <a:prstGeom prst="rect">
                   <a:avLst/>
@@ -4190,26 +4302,19 @@
             </p:sp>
             <p:sp>
               <p:nvSpPr>
-                <p:cNvPr id="51" name="文本框 50"/>
+                <p:cNvPr id="57" name="文本框 56"/>
                 <p:cNvSpPr txBox="1"/>
                 <p:nvPr/>
               </p:nvSpPr>
               <p:spPr>
                 <a:xfrm>
-                  <a:off x="34520" y="31688"/>
-                  <a:ext cx="6657" cy="725"/>
+                  <a:off x="34608" y="26884"/>
+                  <a:ext cx="6436" cy="362"/>
                 </a:xfrm>
                 <a:prstGeom prst="rect">
                   <a:avLst/>
                 </a:prstGeom>
-                <a:noFill/>
-                <a:extLst>
-                  <a:ext uri="{909E8E84-426E-40DD-AFC4-6F175D3DCCD1}">
-                    <a14:hiddenFill xmlns:a14="http://schemas.microsoft.com/office/drawing/2010/main">
-                      <a:grpFill/>
-                    </a14:hiddenFill>
-                  </a:ext>
-                </a:extLst>
+                <a:grpFill/>
               </p:spPr>
               <p:txBody>
                 <a:bodyPr wrap="square" rtlCol="0">
@@ -4223,7 +4328,7 @@
                       <a:ea typeface="+mn-ea"/>
                       <a:cs typeface="+mn-ea"/>
                     </a:rPr>
-                    <a:t>降噪难点与自监督策略启示</a:t>
+                    <a:t>传统降噪方法能力分析</a:t>
                   </a:r>
                   <a:endParaRPr lang="zh-CN" sz="2400" b="1">
                     <a:latin typeface="+mn-ea"/>
@@ -4236,34 +4341,34 @@
           </p:grpSp>
           <p:grpSp>
             <p:nvGrpSpPr>
-              <p:cNvPr id="52" name="组合 51"/>
+              <p:cNvPr id="58" name="组合 57"/>
               <p:cNvGrpSpPr/>
               <p:nvPr/>
             </p:nvGrpSpPr>
             <p:grpSpPr>
               <a:xfrm rot="0">
-                <a:off x="36500" y="27055"/>
-                <a:ext cx="6657" cy="1355"/>
-                <a:chOff x="34520" y="26723"/>
-                <a:chExt cx="6657" cy="1355"/>
+                <a:off x="30636" y="15078"/>
+                <a:ext cx="6413" cy="1035"/>
+                <a:chOff x="33985" y="26723"/>
+                <a:chExt cx="16121" cy="1355"/>
               </a:xfrm>
               <a:solidFill>
                 <a:schemeClr val="accent2">
-                  <a:lumMod val="40000"/>
-                  <a:lumOff val="60000"/>
+                  <a:lumMod val="60000"/>
+                  <a:lumOff val="40000"/>
                 </a:schemeClr>
               </a:solidFill>
             </p:grpSpPr>
             <p:sp>
               <p:nvSpPr>
-                <p:cNvPr id="53" name="矩形 52"/>
+                <p:cNvPr id="59" name="矩形 58"/>
                 <p:cNvSpPr/>
                 <p:nvPr/>
               </p:nvSpPr>
               <p:spPr>
                 <a:xfrm>
-                  <a:off x="34520" y="26723"/>
-                  <a:ext cx="6657" cy="1355"/>
+                  <a:off x="33985" y="26723"/>
+                  <a:ext cx="7112" cy="1355"/>
                 </a:xfrm>
                 <a:prstGeom prst="rect">
                   <a:avLst/>
@@ -4301,19 +4406,26 @@
             </p:sp>
             <p:sp>
               <p:nvSpPr>
-                <p:cNvPr id="54" name="文本框 53"/>
+                <p:cNvPr id="60" name="文本框 59"/>
                 <p:cNvSpPr txBox="1"/>
                 <p:nvPr/>
               </p:nvSpPr>
               <p:spPr>
                 <a:xfrm>
-                  <a:off x="34824" y="27038"/>
-                  <a:ext cx="6028" cy="725"/>
+                  <a:off x="34096" y="26964"/>
+                  <a:ext cx="6883" cy="949"/>
                 </a:xfrm>
                 <a:prstGeom prst="rect">
                   <a:avLst/>
                 </a:prstGeom>
                 <a:grpFill/>
+                <a:extLst>
+                  <a:ext uri="{909E8E84-426E-40DD-AFC4-6F175D3DCCD1}">
+                    <a14:hiddenFill xmlns:a14="http://schemas.microsoft.com/office/drawing/2010/main">
+                      <a:grpFill/>
+                    </a14:hiddenFill>
+                  </a:ext>
+                </a:extLst>
               </p:spPr>
               <p:txBody>
                 <a:bodyPr wrap="square" rtlCol="0">
@@ -4322,14 +4434,14 @@
                 <a:p>
                   <a:pPr algn="ctr"/>
                   <a:r>
-                    <a:rPr lang="zh-CN" altLang="en-US" sz="2400" b="1">
+                    <a:rPr lang="zh-CN" sz="2400" b="1">
                       <a:latin typeface="+mn-ea"/>
                       <a:ea typeface="+mn-ea"/>
                       <a:cs typeface="+mn-ea"/>
                     </a:rPr>
-                    <a:t>数据采集方案与设备</a:t>
+                    <a:t>高斯白噪声</a:t>
                   </a:r>
-                  <a:endParaRPr lang="zh-CN" altLang="en-US" sz="2400" b="1">
+                  <a:endParaRPr lang="zh-CN" sz="2400" b="1">
                     <a:latin typeface="+mn-ea"/>
                     <a:ea typeface="+mn-ea"/>
                     <a:cs typeface="+mn-ea"/>
@@ -4337,347 +4449,106 @@
                 </a:p>
               </p:txBody>
             </p:sp>
-          </p:grpSp>
-          <p:grpSp>
-            <p:nvGrpSpPr>
-              <p:cNvPr id="64" name="组合 63"/>
-              <p:cNvGrpSpPr/>
-              <p:nvPr/>
-            </p:nvGrpSpPr>
-            <p:grpSpPr>
-              <a:xfrm>
-                <a:off x="36500" y="28756"/>
-                <a:ext cx="6656" cy="2712"/>
-                <a:chOff x="36500" y="30483"/>
-                <a:chExt cx="6656" cy="2712"/>
-              </a:xfrm>
-            </p:grpSpPr>
-            <p:grpSp>
-              <p:nvGrpSpPr>
-                <p:cNvPr id="55" name="组合 54"/>
-                <p:cNvGrpSpPr/>
+            <p:sp>
+              <p:nvSpPr>
+                <p:cNvPr id="32" name="矩形 31"/>
+                <p:cNvSpPr/>
                 <p:nvPr/>
-              </p:nvGrpSpPr>
-              <p:grpSpPr>
-                <a:xfrm rot="0">
-                  <a:off x="36500" y="30483"/>
-                  <a:ext cx="6657" cy="2712"/>
-                  <a:chOff x="34520" y="26723"/>
-                  <a:chExt cx="6657" cy="1355"/>
+              </p:nvSpPr>
+              <p:spPr>
+                <a:xfrm>
+                  <a:off x="41649" y="26723"/>
+                  <a:ext cx="8457" cy="1355"/>
                 </a:xfrm>
-                <a:solidFill>
-                  <a:schemeClr val="accent2">
-                    <a:lumMod val="40000"/>
-                    <a:lumOff val="60000"/>
-                  </a:schemeClr>
-                </a:solidFill>
-              </p:grpSpPr>
-              <p:sp>
-                <p:nvSpPr>
-                  <p:cNvPr id="56" name="矩形 55"/>
-                  <p:cNvSpPr/>
-                  <p:nvPr/>
-                </p:nvSpPr>
-                <p:spPr>
-                  <a:xfrm>
-                    <a:off x="34520" y="26723"/>
-                    <a:ext cx="6657" cy="1355"/>
-                  </a:xfrm>
-                  <a:prstGeom prst="rect">
-                    <a:avLst/>
-                  </a:prstGeom>
-                  <a:grpFill/>
-                  <a:ln w="25400">
-                    <a:solidFill>
-                      <a:schemeClr val="tx1"/>
-                    </a:solidFill>
-                  </a:ln>
-                </p:spPr>
-                <p:style>
-                  <a:lnRef idx="2">
-                    <a:schemeClr val="accent1">
-                      <a:lumMod val="75000"/>
-                    </a:schemeClr>
-                  </a:lnRef>
-                  <a:fillRef idx="1">
-                    <a:schemeClr val="accent1"/>
-                  </a:fillRef>
-                  <a:effectRef idx="0">
-                    <a:srgbClr val="FFFFFF"/>
-                  </a:effectRef>
-                  <a:fontRef idx="minor">
-                    <a:schemeClr val="lt1"/>
-                  </a:fontRef>
-                </p:style>
-                <p:txBody>
-                  <a:bodyPr rtlCol="0" anchor="ctr"/>
-                  <a:p>
-                    <a:pPr algn="ctr"/>
-                    <a:endParaRPr lang="zh-CN" altLang="en-US"/>
-                  </a:p>
-                </p:txBody>
-              </p:sp>
-              <p:sp>
-                <p:nvSpPr>
-                  <p:cNvPr id="57" name="文本框 56"/>
-                  <p:cNvSpPr txBox="1"/>
-                  <p:nvPr/>
-                </p:nvSpPr>
-                <p:spPr>
-                  <a:xfrm>
-                    <a:off x="34608" y="26884"/>
-                    <a:ext cx="6436" cy="362"/>
-                  </a:xfrm>
-                  <a:prstGeom prst="rect">
-                    <a:avLst/>
-                  </a:prstGeom>
-                  <a:grpFill/>
-                </p:spPr>
-                <p:txBody>
-                  <a:bodyPr wrap="square" rtlCol="0">
-                    <a:spAutoFit/>
-                  </a:bodyPr>
-                  <a:p>
-                    <a:pPr algn="ctr"/>
-                    <a:r>
-                      <a:rPr lang="zh-CN" sz="2400" b="1">
-                        <a:latin typeface="+mn-ea"/>
-                        <a:ea typeface="+mn-ea"/>
-                        <a:cs typeface="+mn-ea"/>
-                      </a:rPr>
-                      <a:t>水下工程声信号特性分析</a:t>
-                    </a:r>
-                    <a:endParaRPr lang="zh-CN" sz="2400" b="1">
-                      <a:latin typeface="+mn-ea"/>
-                      <a:ea typeface="+mn-ea"/>
-                      <a:cs typeface="+mn-ea"/>
-                    </a:endParaRPr>
-                  </a:p>
-                </p:txBody>
-              </p:sp>
-            </p:grpSp>
-            <p:grpSp>
-              <p:nvGrpSpPr>
-                <p:cNvPr id="58" name="组合 57"/>
-                <p:cNvGrpSpPr/>
-                <p:nvPr/>
-              </p:nvGrpSpPr>
-              <p:grpSpPr>
-                <a:xfrm rot="0">
-                  <a:off x="36961" y="31728"/>
-                  <a:ext cx="2648" cy="1035"/>
-                  <a:chOff x="34520" y="26723"/>
-                  <a:chExt cx="6657" cy="1355"/>
-                </a:xfrm>
+                <a:prstGeom prst="rect">
+                  <a:avLst/>
+                </a:prstGeom>
                 <a:solidFill>
                   <a:schemeClr val="accent2">
                     <a:lumMod val="60000"/>
                     <a:lumOff val="40000"/>
                   </a:schemeClr>
                 </a:solidFill>
-              </p:grpSpPr>
-              <p:sp>
-                <p:nvSpPr>
-                  <p:cNvPr id="59" name="矩形 58"/>
-                  <p:cNvSpPr/>
-                  <p:nvPr/>
-                </p:nvSpPr>
-                <p:spPr>
-                  <a:xfrm>
-                    <a:off x="34520" y="26723"/>
-                    <a:ext cx="6657" cy="1355"/>
-                  </a:xfrm>
-                  <a:prstGeom prst="rect">
-                    <a:avLst/>
-                  </a:prstGeom>
-                  <a:grpFill/>
-                  <a:ln w="25400">
-                    <a:solidFill>
-                      <a:schemeClr val="tx1"/>
-                    </a:solidFill>
-                  </a:ln>
-                </p:spPr>
-                <p:style>
-                  <a:lnRef idx="2">
-                    <a:schemeClr val="accent1">
-                      <a:lumMod val="75000"/>
-                    </a:schemeClr>
-                  </a:lnRef>
-                  <a:fillRef idx="1">
-                    <a:schemeClr val="accent1"/>
-                  </a:fillRef>
-                  <a:effectRef idx="0">
-                    <a:srgbClr val="FFFFFF"/>
-                  </a:effectRef>
-                  <a:fontRef idx="minor">
-                    <a:schemeClr val="lt1"/>
-                  </a:fontRef>
-                </p:style>
-                <p:txBody>
-                  <a:bodyPr rtlCol="0" anchor="ctr"/>
-                  <a:p>
-                    <a:pPr algn="ctr"/>
-                    <a:endParaRPr lang="zh-CN" altLang="en-US"/>
-                  </a:p>
-                </p:txBody>
-              </p:sp>
-              <p:sp>
-                <p:nvSpPr>
-                  <p:cNvPr id="60" name="文本框 59"/>
-                  <p:cNvSpPr txBox="1"/>
-                  <p:nvPr/>
-                </p:nvSpPr>
-                <p:spPr>
-                  <a:xfrm>
-                    <a:off x="34608" y="26925"/>
-                    <a:ext cx="6436" cy="949"/>
-                  </a:xfrm>
-                  <a:prstGeom prst="rect">
-                    <a:avLst/>
-                  </a:prstGeom>
-                  <a:grpFill/>
-                  <a:extLst>
-                    <a:ext uri="{909E8E84-426E-40DD-AFC4-6F175D3DCCD1}">
-                      <a14:hiddenFill xmlns:a14="http://schemas.microsoft.com/office/drawing/2010/main">
-                        <a:grpFill/>
-                      </a14:hiddenFill>
-                    </a:ext>
-                  </a:extLst>
-                </p:spPr>
-                <p:txBody>
-                  <a:bodyPr wrap="square" rtlCol="0">
-                    <a:spAutoFit/>
-                  </a:bodyPr>
-                  <a:p>
-                    <a:pPr algn="ctr"/>
-                    <a:r>
-                      <a:rPr lang="zh-CN" sz="2400" b="1">
-                        <a:latin typeface="+mn-ea"/>
-                        <a:ea typeface="+mn-ea"/>
-                        <a:cs typeface="+mn-ea"/>
-                      </a:rPr>
-                      <a:t>时域分析</a:t>
-                    </a:r>
-                    <a:endParaRPr lang="zh-CN" sz="2400" b="1">
-                      <a:latin typeface="+mn-ea"/>
-                      <a:ea typeface="+mn-ea"/>
-                      <a:cs typeface="+mn-ea"/>
-                    </a:endParaRPr>
-                  </a:p>
-                </p:txBody>
-              </p:sp>
-            </p:grpSp>
-            <p:grpSp>
-              <p:nvGrpSpPr>
-                <p:cNvPr id="61" name="组合 60"/>
-                <p:cNvGrpSpPr/>
+                <a:ln w="25400">
+                  <a:solidFill>
+                    <a:schemeClr val="tx1"/>
+                  </a:solidFill>
+                </a:ln>
+              </p:spPr>
+              <p:style>
+                <a:lnRef idx="2">
+                  <a:schemeClr val="accent1">
+                    <a:lumMod val="75000"/>
+                  </a:schemeClr>
+                </a:lnRef>
+                <a:fillRef idx="1">
+                  <a:schemeClr val="accent1"/>
+                </a:fillRef>
+                <a:effectRef idx="0">
+                  <a:srgbClr val="FFFFFF"/>
+                </a:effectRef>
+                <a:fontRef idx="minor">
+                  <a:schemeClr val="lt1"/>
+                </a:fontRef>
+              </p:style>
+              <p:txBody>
+                <a:bodyPr rtlCol="0" anchor="ctr"/>
+                <a:p>
+                  <a:pPr algn="ctr"/>
+                  <a:endParaRPr lang="zh-CN" altLang="en-US"/>
+                </a:p>
+              </p:txBody>
+            </p:sp>
+            <p:sp>
+              <p:nvSpPr>
+                <p:cNvPr id="33" name="文本框 32"/>
+                <p:cNvSpPr txBox="1"/>
                 <p:nvPr/>
-              </p:nvGrpSpPr>
-              <p:grpSpPr>
-                <a:xfrm rot="0">
-                  <a:off x="40102" y="31728"/>
-                  <a:ext cx="2648" cy="1035"/>
-                  <a:chOff x="34520" y="26723"/>
-                  <a:chExt cx="6657" cy="1355"/>
+              </p:nvSpPr>
+              <p:spPr>
+                <a:xfrm>
+                  <a:off x="41894" y="26964"/>
+                  <a:ext cx="8112" cy="949"/>
                 </a:xfrm>
+                <a:prstGeom prst="rect">
+                  <a:avLst/>
+                </a:prstGeom>
                 <a:solidFill>
                   <a:schemeClr val="accent2">
                     <a:lumMod val="60000"/>
                     <a:lumOff val="40000"/>
                   </a:schemeClr>
                 </a:solidFill>
-              </p:grpSpPr>
-              <p:sp>
-                <p:nvSpPr>
-                  <p:cNvPr id="62" name="矩形 61"/>
-                  <p:cNvSpPr/>
-                  <p:nvPr/>
-                </p:nvSpPr>
-                <p:spPr>
-                  <a:xfrm>
-                    <a:off x="34520" y="26723"/>
-                    <a:ext cx="6657" cy="1355"/>
-                  </a:xfrm>
-                  <a:prstGeom prst="rect">
-                    <a:avLst/>
-                  </a:prstGeom>
-                  <a:grpFill/>
-                  <a:ln w="25400">
-                    <a:solidFill>
-                      <a:schemeClr val="tx1"/>
-                    </a:solidFill>
-                  </a:ln>
-                </p:spPr>
-                <p:style>
-                  <a:lnRef idx="2">
-                    <a:schemeClr val="accent1">
-                      <a:lumMod val="75000"/>
-                    </a:schemeClr>
-                  </a:lnRef>
-                  <a:fillRef idx="1">
-                    <a:schemeClr val="accent1"/>
-                  </a:fillRef>
-                  <a:effectRef idx="0">
-                    <a:srgbClr val="FFFFFF"/>
-                  </a:effectRef>
-                  <a:fontRef idx="minor">
-                    <a:schemeClr val="lt1"/>
-                  </a:fontRef>
-                </p:style>
-                <p:txBody>
-                  <a:bodyPr rtlCol="0" anchor="ctr"/>
-                  <a:p>
-                    <a:pPr algn="ctr"/>
-                    <a:endParaRPr lang="zh-CN" altLang="en-US"/>
-                  </a:p>
-                </p:txBody>
-              </p:sp>
-              <p:sp>
-                <p:nvSpPr>
-                  <p:cNvPr id="63" name="文本框 62"/>
-                  <p:cNvSpPr txBox="1"/>
-                  <p:nvPr/>
-                </p:nvSpPr>
-                <p:spPr>
-                  <a:xfrm>
-                    <a:off x="34608" y="26925"/>
-                    <a:ext cx="6436" cy="949"/>
-                  </a:xfrm>
-                  <a:prstGeom prst="rect">
-                    <a:avLst/>
-                  </a:prstGeom>
-                  <a:grpFill/>
-                  <a:extLst>
-                    <a:ext uri="{909E8E84-426E-40DD-AFC4-6F175D3DCCD1}">
-                      <a14:hiddenFill xmlns:a14="http://schemas.microsoft.com/office/drawing/2010/main">
-                        <a:grpFill/>
-                      </a14:hiddenFill>
-                    </a:ext>
-                  </a:extLst>
-                </p:spPr>
-                <p:txBody>
-                  <a:bodyPr wrap="square" rtlCol="0">
-                    <a:spAutoFit/>
-                  </a:bodyPr>
-                  <a:p>
-                    <a:pPr algn="ctr"/>
-                    <a:r>
-                      <a:rPr lang="zh-CN" sz="2400" b="1">
-                        <a:latin typeface="+mn-ea"/>
-                        <a:ea typeface="+mn-ea"/>
-                        <a:cs typeface="+mn-ea"/>
-                      </a:rPr>
-                      <a:t>频域分析</a:t>
-                    </a:r>
-                    <a:endParaRPr lang="zh-CN" sz="2400" b="1">
+                <a:extLst>
+                  <a:ext uri="{909E8E84-426E-40DD-AFC4-6F175D3DCCD1}">
+                    <a14:hiddenFill xmlns:a14="http://schemas.microsoft.com/office/drawing/2010/main">
+                      <a:grpFill/>
+                    </a14:hiddenFill>
+                  </a:ext>
+                </a:extLst>
+              </p:spPr>
+              <p:txBody>
+                <a:bodyPr wrap="square" rtlCol="0">
+                  <a:spAutoFit/>
+                </a:bodyPr>
+                <a:p>
+                  <a:pPr algn="ctr"/>
+                  <a:r>
+                    <a:rPr lang="zh-CN" sz="2400" b="1">
                       <a:latin typeface="+mn-ea"/>
                       <a:ea typeface="+mn-ea"/>
                       <a:cs typeface="+mn-ea"/>
-                    </a:endParaRPr>
-                  </a:p>
-                </p:txBody>
-              </p:sp>
-            </p:grpSp>
+                    </a:rPr>
+                    <a:t>海洋背景噪声</a:t>
+                  </a:r>
+                  <a:endParaRPr lang="zh-CN" sz="2400" b="1">
+                    <a:latin typeface="+mn-ea"/>
+                    <a:ea typeface="+mn-ea"/>
+                    <a:cs typeface="+mn-ea"/>
+                  </a:endParaRPr>
+                </a:p>
+              </p:txBody>
+            </p:sp>
           </p:grpSp>
         </p:grpSp>
         <p:grpSp>
@@ -4688,7 +4559,7 @@
           </p:nvGrpSpPr>
           <p:grpSpPr>
             <a:xfrm rot="0">
-              <a:off x="29423" y="21022"/>
+              <a:off x="29423" y="23143"/>
               <a:ext cx="8655" cy="11357"/>
               <a:chOff x="26341" y="44746"/>
               <a:chExt cx="8655" cy="11357"/>
@@ -5010,7 +4881,7 @@
                       <a:ea typeface="+mn-ea"/>
                       <a:cs typeface="+mn-ea"/>
                     </a:rPr>
-                    <a:t>实验设置</a:t>
+                    <a:t>实验设置与数据集构建</a:t>
                   </a:r>
                   <a:endParaRPr lang="zh-CN" altLang="en-US" sz="2400" b="1">
                     <a:latin typeface="+mn-ea"/>
@@ -5706,8 +5577,8 @@
             <p:nvPr/>
           </p:nvGrpSpPr>
           <p:grpSpPr>
-            <a:xfrm>
-              <a:off x="20195" y="21045"/>
+            <a:xfrm rot="0">
+              <a:off x="20195" y="23166"/>
               <a:ext cx="8655" cy="11390"/>
               <a:chOff x="20195" y="21499"/>
               <a:chExt cx="8655" cy="11390"/>
@@ -5804,7 +5675,7 @@
                     <a:ea typeface="+mn-ea"/>
                     <a:cs typeface="+mn-ea"/>
                   </a:rPr>
-                  <a:t>自监督降噪方案设计</a:t>
+                  <a:t>自适应聚焦降噪网络设计</a:t>
                 </a:r>
                 <a:endParaRPr lang="zh-CN" altLang="en-US" sz="2400" b="1">
                   <a:latin typeface="+mn-ea"/>
@@ -5916,7 +5787,7 @@
                       <a:ea typeface="+mn-ea"/>
                       <a:cs typeface="+mn-ea"/>
                     </a:rPr>
-                    <a:t>自监督学习策略与算法细节</a:t>
+                    <a:t>损失函数设计</a:t>
                   </a:r>
                   <a:endParaRPr lang="zh-CN" altLang="en-US" sz="2400" b="1">
                     <a:latin typeface="+mn-ea"/>
@@ -6029,7 +5900,7 @@
                       <a:ea typeface="+mn-ea"/>
                       <a:cs typeface="+mn-ea"/>
                     </a:rPr>
-                    <a:t>方案设计思路</a:t>
+                    <a:t>网络设计与训练策略</a:t>
                   </a:r>
                   <a:endParaRPr lang="zh-CN" altLang="en-US" sz="2400" b="1">
                     <a:latin typeface="+mn-ea"/>
@@ -6049,9 +5920,9 @@
             <p:grpSpPr>
               <a:xfrm rot="0">
                 <a:off x="21149" y="24674"/>
-                <a:ext cx="6656" cy="5724"/>
+                <a:ext cx="6657" cy="5725"/>
                 <a:chOff x="21149" y="24447"/>
-                <a:chExt cx="6656" cy="5724"/>
+                <a:chExt cx="6657" cy="5725"/>
               </a:xfrm>
             </p:grpSpPr>
             <p:sp>
@@ -6141,7 +6012,7 @@
                       <a:ea typeface="+mn-ea"/>
                       <a:cs typeface="+mn-ea"/>
                     </a:rPr>
-                    <a:t>模型架构设计</a:t>
+                    <a:t>模块设计</a:t>
                   </a:r>
                   <a:endParaRPr lang="zh-CN" sz="2400" b="1">
                     <a:latin typeface="+mn-ea"/>
@@ -6742,7 +6613,7 @@
           </p:nvGrpSpPr>
           <p:grpSpPr>
             <a:xfrm rot="0">
-              <a:off x="20195" y="32952"/>
+              <a:off x="20195" y="35073"/>
               <a:ext cx="17886" cy="1355"/>
               <a:chOff x="35268" y="26723"/>
               <a:chExt cx="4401" cy="1355"/>
@@ -6867,7 +6738,7 @@
           <p:spPr>
             <a:xfrm>
               <a:off x="18082" y="12654"/>
-              <a:ext cx="0" cy="20136"/>
+              <a:ext cx="0" cy="21826"/>
             </a:xfrm>
             <a:prstGeom prst="straightConnector1">
               <a:avLst/>
@@ -6902,7 +6773,7 @@
           </p:nvSpPr>
           <p:spPr>
             <a:xfrm>
-              <a:off x="18650" y="12784"/>
+              <a:off x="18650" y="12623"/>
               <a:ext cx="1067" cy="3197"/>
             </a:xfrm>
             <a:prstGeom prst="rect">
@@ -6917,7 +6788,14 @@
             <a:p>
               <a:r>
                 <a:rPr lang="zh-CN" altLang="en-US" sz="4400" b="1"/>
-                <a:t>信号特性理解</a:t>
+                <a:t>特性分析</a:t>
+              </a:r>
+              <a:endParaRPr lang="zh-CN" altLang="en-US" sz="4400" b="1"/>
+            </a:p>
+            <a:p>
+              <a:r>
+                <a:rPr lang="zh-CN" altLang="en-US" sz="4400" b="1"/>
+                <a:t>与策略设计</a:t>
               </a:r>
               <a:endParaRPr lang="zh-CN" altLang="en-US" sz="4400" b="1"/>
             </a:p>
@@ -6931,7 +6809,7 @@
           </p:nvSpPr>
           <p:spPr>
             <a:xfrm>
-              <a:off x="18650" y="21159"/>
+              <a:off x="18650" y="23200"/>
               <a:ext cx="1067" cy="3197"/>
             </a:xfrm>
             <a:prstGeom prst="rect">
@@ -6946,12 +6824,453 @@
             <a:p>
               <a:r>
                 <a:rPr lang="zh-CN" altLang="en-US" sz="4400" b="1"/>
-                <a:t>方案模型与实验验证</a:t>
+                <a:t>模型</a:t>
+              </a:r>
+              <a:endParaRPr lang="zh-CN" altLang="en-US" sz="4400" b="1"/>
+            </a:p>
+            <a:p>
+              <a:r>
+                <a:rPr lang="zh-CN" altLang="en-US" sz="4400" b="1"/>
+                <a:t>设计与实验验证</a:t>
               </a:r>
               <a:endParaRPr lang="zh-CN" altLang="en-US" sz="4400" b="1"/>
             </a:p>
           </p:txBody>
         </p:sp>
+        <p:grpSp>
+          <p:nvGrpSpPr>
+            <p:cNvPr id="38" name="组合 37"/>
+            <p:cNvGrpSpPr/>
+            <p:nvPr/>
+          </p:nvGrpSpPr>
+          <p:grpSpPr>
+            <a:xfrm rot="0">
+              <a:off x="30214" y="16850"/>
+              <a:ext cx="7268" cy="1263"/>
+              <a:chOff x="34346" y="26723"/>
+              <a:chExt cx="7268" cy="631"/>
+            </a:xfrm>
+            <a:solidFill>
+              <a:schemeClr val="accent2">
+                <a:lumMod val="40000"/>
+                <a:lumOff val="60000"/>
+              </a:schemeClr>
+            </a:solidFill>
+          </p:grpSpPr>
+          <p:sp>
+            <p:nvSpPr>
+              <p:cNvPr id="39" name="矩形 38"/>
+              <p:cNvSpPr/>
+              <p:nvPr/>
+            </p:nvSpPr>
+            <p:spPr>
+              <a:xfrm>
+                <a:off x="34346" y="26723"/>
+                <a:ext cx="7268" cy="631"/>
+              </a:xfrm>
+              <a:prstGeom prst="rect">
+                <a:avLst/>
+              </a:prstGeom>
+              <a:grpFill/>
+              <a:ln w="25400">
+                <a:solidFill>
+                  <a:schemeClr val="tx1"/>
+                </a:solidFill>
+              </a:ln>
+            </p:spPr>
+            <p:style>
+              <a:lnRef idx="2">
+                <a:schemeClr val="accent1">
+                  <a:lumMod val="75000"/>
+                </a:schemeClr>
+              </a:lnRef>
+              <a:fillRef idx="1">
+                <a:schemeClr val="accent1"/>
+              </a:fillRef>
+              <a:effectRef idx="0">
+                <a:srgbClr val="FFFFFF"/>
+              </a:effectRef>
+              <a:fontRef idx="minor">
+                <a:schemeClr val="lt1"/>
+              </a:fontRef>
+            </p:style>
+            <p:txBody>
+              <a:bodyPr rtlCol="0" anchor="ctr"/>
+              <a:p>
+                <a:pPr algn="ctr"/>
+                <a:endParaRPr lang="zh-CN" altLang="en-US"/>
+              </a:p>
+            </p:txBody>
+          </p:sp>
+          <p:sp>
+            <p:nvSpPr>
+              <p:cNvPr id="40" name="文本框 39"/>
+              <p:cNvSpPr txBox="1"/>
+              <p:nvPr/>
+            </p:nvSpPr>
+            <p:spPr>
+              <a:xfrm>
+                <a:off x="34730" y="26884"/>
+                <a:ext cx="6436" cy="362"/>
+              </a:xfrm>
+              <a:prstGeom prst="rect">
+                <a:avLst/>
+              </a:prstGeom>
+              <a:grpFill/>
+            </p:spPr>
+            <p:txBody>
+              <a:bodyPr wrap="square" rtlCol="0">
+                <a:spAutoFit/>
+              </a:bodyPr>
+              <a:p>
+                <a:pPr algn="ctr"/>
+                <a:r>
+                  <a:rPr lang="zh-CN" sz="2400" b="1">
+                    <a:latin typeface="+mn-ea"/>
+                    <a:ea typeface="+mn-ea"/>
+                    <a:cs typeface="+mn-ea"/>
+                  </a:rPr>
+                  <a:t>自监督学习机制</a:t>
+                </a:r>
+                <a:endParaRPr lang="zh-CN" sz="2400" b="1">
+                  <a:latin typeface="+mn-ea"/>
+                  <a:ea typeface="+mn-ea"/>
+                  <a:cs typeface="+mn-ea"/>
+                </a:endParaRPr>
+              </a:p>
+            </p:txBody>
+          </p:sp>
+        </p:grpSp>
+        <p:grpSp>
+          <p:nvGrpSpPr>
+            <p:cNvPr id="46" name="组合 45"/>
+            <p:cNvGrpSpPr/>
+            <p:nvPr/>
+          </p:nvGrpSpPr>
+          <p:grpSpPr>
+            <a:xfrm>
+              <a:off x="30215" y="18545"/>
+              <a:ext cx="7265" cy="3831"/>
+              <a:chOff x="30215" y="14051"/>
+              <a:chExt cx="7265" cy="3831"/>
+            </a:xfrm>
+          </p:grpSpPr>
+          <p:grpSp>
+            <p:nvGrpSpPr>
+              <p:cNvPr id="65" name="组合 64"/>
+              <p:cNvGrpSpPr/>
+              <p:nvPr/>
+            </p:nvGrpSpPr>
+            <p:grpSpPr>
+              <a:xfrm rot="0">
+                <a:off x="30215" y="14051"/>
+                <a:ext cx="7265" cy="3831"/>
+                <a:chOff x="34347" y="26832"/>
+                <a:chExt cx="7265" cy="1914"/>
+              </a:xfrm>
+              <a:solidFill>
+                <a:schemeClr val="accent2">
+                  <a:lumMod val="40000"/>
+                  <a:lumOff val="60000"/>
+                </a:schemeClr>
+              </a:solidFill>
+            </p:grpSpPr>
+            <p:sp>
+              <p:nvSpPr>
+                <p:cNvPr id="67" name="矩形 66"/>
+                <p:cNvSpPr/>
+                <p:nvPr/>
+              </p:nvSpPr>
+              <p:spPr>
+                <a:xfrm>
+                  <a:off x="34347" y="26832"/>
+                  <a:ext cx="7265" cy="1914"/>
+                </a:xfrm>
+                <a:prstGeom prst="rect">
+                  <a:avLst/>
+                </a:prstGeom>
+                <a:grpFill/>
+                <a:ln w="25400">
+                  <a:solidFill>
+                    <a:schemeClr val="tx1"/>
+                  </a:solidFill>
+                </a:ln>
+              </p:spPr>
+              <p:style>
+                <a:lnRef idx="2">
+                  <a:schemeClr val="accent1">
+                    <a:lumMod val="75000"/>
+                  </a:schemeClr>
+                </a:lnRef>
+                <a:fillRef idx="1">
+                  <a:schemeClr val="accent1"/>
+                </a:fillRef>
+                <a:effectRef idx="0">
+                  <a:srgbClr val="FFFFFF"/>
+                </a:effectRef>
+                <a:fontRef idx="minor">
+                  <a:schemeClr val="lt1"/>
+                </a:fontRef>
+              </p:style>
+              <p:txBody>
+                <a:bodyPr rtlCol="0" anchor="ctr"/>
+                <a:p>
+                  <a:pPr algn="ctr"/>
+                  <a:endParaRPr lang="zh-CN" altLang="en-US"/>
+                </a:p>
+              </p:txBody>
+            </p:sp>
+            <p:sp>
+              <p:nvSpPr>
+                <p:cNvPr id="68" name="文本框 67"/>
+                <p:cNvSpPr txBox="1"/>
+                <p:nvPr/>
+              </p:nvSpPr>
+              <p:spPr>
+                <a:xfrm>
+                  <a:off x="34767" y="26948"/>
+                  <a:ext cx="6436" cy="362"/>
+                </a:xfrm>
+                <a:prstGeom prst="rect">
+                  <a:avLst/>
+                </a:prstGeom>
+                <a:grpFill/>
+              </p:spPr>
+              <p:txBody>
+                <a:bodyPr wrap="square" rtlCol="0">
+                  <a:spAutoFit/>
+                </a:bodyPr>
+                <a:p>
+                  <a:pPr algn="ctr"/>
+                  <a:r>
+                    <a:rPr lang="zh-CN" sz="2400" b="1">
+                      <a:latin typeface="+mn-ea"/>
+                      <a:ea typeface="+mn-ea"/>
+                      <a:cs typeface="+mn-ea"/>
+                    </a:rPr>
+                    <a:t>自监督学习策略设计</a:t>
+                  </a:r>
+                  <a:endParaRPr lang="zh-CN" sz="2400" b="1">
+                    <a:latin typeface="+mn-ea"/>
+                    <a:ea typeface="+mn-ea"/>
+                    <a:cs typeface="+mn-ea"/>
+                  </a:endParaRPr>
+                </a:p>
+              </p:txBody>
+            </p:sp>
+          </p:grpSp>
+          <p:grpSp>
+            <p:nvGrpSpPr>
+              <p:cNvPr id="77" name="组合 76"/>
+              <p:cNvGrpSpPr/>
+              <p:nvPr/>
+            </p:nvGrpSpPr>
+            <p:grpSpPr>
+              <a:xfrm rot="0">
+                <a:off x="31582" y="15119"/>
+                <a:ext cx="4542" cy="2353"/>
+                <a:chOff x="36364" y="26777"/>
+                <a:chExt cx="11418" cy="3080"/>
+              </a:xfrm>
+              <a:solidFill>
+                <a:schemeClr val="accent2">
+                  <a:lumMod val="60000"/>
+                  <a:lumOff val="40000"/>
+                </a:schemeClr>
+              </a:solidFill>
+            </p:grpSpPr>
+            <p:sp>
+              <p:nvSpPr>
+                <p:cNvPr id="78" name="矩形 77"/>
+                <p:cNvSpPr/>
+                <p:nvPr/>
+              </p:nvSpPr>
+              <p:spPr>
+                <a:xfrm>
+                  <a:off x="36364" y="26777"/>
+                  <a:ext cx="11418" cy="1355"/>
+                </a:xfrm>
+                <a:prstGeom prst="rect">
+                  <a:avLst/>
+                </a:prstGeom>
+                <a:grpFill/>
+                <a:ln w="25400">
+                  <a:solidFill>
+                    <a:schemeClr val="tx1"/>
+                  </a:solidFill>
+                </a:ln>
+              </p:spPr>
+              <p:style>
+                <a:lnRef idx="2">
+                  <a:schemeClr val="accent1">
+                    <a:lumMod val="75000"/>
+                  </a:schemeClr>
+                </a:lnRef>
+                <a:fillRef idx="1">
+                  <a:schemeClr val="accent1"/>
+                </a:fillRef>
+                <a:effectRef idx="0">
+                  <a:srgbClr val="FFFFFF"/>
+                </a:effectRef>
+                <a:fontRef idx="minor">
+                  <a:schemeClr val="lt1"/>
+                </a:fontRef>
+              </p:style>
+              <p:txBody>
+                <a:bodyPr rtlCol="0" anchor="ctr"/>
+                <a:p>
+                  <a:pPr algn="ctr"/>
+                  <a:endParaRPr lang="zh-CN" altLang="en-US"/>
+                </a:p>
+              </p:txBody>
+            </p:sp>
+            <p:sp>
+              <p:nvSpPr>
+                <p:cNvPr id="93" name="文本框 92"/>
+                <p:cNvSpPr txBox="1"/>
+                <p:nvPr/>
+              </p:nvSpPr>
+              <p:spPr>
+                <a:xfrm>
+                  <a:off x="37095" y="26976"/>
+                  <a:ext cx="9789" cy="949"/>
+                </a:xfrm>
+                <a:prstGeom prst="rect">
+                  <a:avLst/>
+                </a:prstGeom>
+                <a:grpFill/>
+                <a:extLst>
+                  <a:ext uri="{909E8E84-426E-40DD-AFC4-6F175D3DCCD1}">
+                    <a14:hiddenFill xmlns:a14="http://schemas.microsoft.com/office/drawing/2010/main">
+                      <a:grpFill/>
+                    </a14:hiddenFill>
+                  </a:ext>
+                </a:extLst>
+              </p:spPr>
+              <p:txBody>
+                <a:bodyPr wrap="square" rtlCol="0">
+                  <a:spAutoFit/>
+                </a:bodyPr>
+                <a:p>
+                  <a:pPr algn="ctr"/>
+                  <a:r>
+                    <a:rPr lang="zh-CN" sz="2400" b="1">
+                      <a:latin typeface="+mn-ea"/>
+                      <a:ea typeface="+mn-ea"/>
+                      <a:cs typeface="+mn-ea"/>
+                    </a:rPr>
+                    <a:t>训练信号对构造</a:t>
+                  </a:r>
+                  <a:endParaRPr lang="zh-CN" sz="2400" b="1">
+                    <a:latin typeface="+mn-ea"/>
+                    <a:ea typeface="+mn-ea"/>
+                    <a:cs typeface="+mn-ea"/>
+                  </a:endParaRPr>
+                </a:p>
+              </p:txBody>
+            </p:sp>
+            <p:sp>
+              <p:nvSpPr>
+                <p:cNvPr id="94" name="矩形 93"/>
+                <p:cNvSpPr/>
+                <p:nvPr/>
+              </p:nvSpPr>
+              <p:spPr>
+                <a:xfrm>
+                  <a:off x="36364" y="28502"/>
+                  <a:ext cx="11418" cy="1355"/>
+                </a:xfrm>
+                <a:prstGeom prst="rect">
+                  <a:avLst/>
+                </a:prstGeom>
+                <a:solidFill>
+                  <a:schemeClr val="accent2">
+                    <a:lumMod val="60000"/>
+                    <a:lumOff val="40000"/>
+                  </a:schemeClr>
+                </a:solidFill>
+                <a:ln w="25400">
+                  <a:solidFill>
+                    <a:schemeClr val="tx1"/>
+                  </a:solidFill>
+                </a:ln>
+              </p:spPr>
+              <p:style>
+                <a:lnRef idx="2">
+                  <a:schemeClr val="accent1">
+                    <a:lumMod val="75000"/>
+                  </a:schemeClr>
+                </a:lnRef>
+                <a:fillRef idx="1">
+                  <a:schemeClr val="accent1"/>
+                </a:fillRef>
+                <a:effectRef idx="0">
+                  <a:srgbClr val="FFFFFF"/>
+                </a:effectRef>
+                <a:fontRef idx="minor">
+                  <a:schemeClr val="lt1"/>
+                </a:fontRef>
+              </p:style>
+              <p:txBody>
+                <a:bodyPr rtlCol="0" anchor="ctr"/>
+                <a:p>
+                  <a:pPr algn="ctr"/>
+                  <a:endParaRPr lang="zh-CN" altLang="en-US"/>
+                </a:p>
+              </p:txBody>
+            </p:sp>
+            <p:sp>
+              <p:nvSpPr>
+                <p:cNvPr id="111" name="文本框 110"/>
+                <p:cNvSpPr txBox="1"/>
+                <p:nvPr/>
+              </p:nvSpPr>
+              <p:spPr>
+                <a:xfrm>
+                  <a:off x="37205" y="28651"/>
+                  <a:ext cx="9679" cy="949"/>
+                </a:xfrm>
+                <a:prstGeom prst="rect">
+                  <a:avLst/>
+                </a:prstGeom>
+                <a:solidFill>
+                  <a:schemeClr val="accent2">
+                    <a:lumMod val="60000"/>
+                    <a:lumOff val="40000"/>
+                  </a:schemeClr>
+                </a:solidFill>
+                <a:extLst>
+                  <a:ext uri="{909E8E84-426E-40DD-AFC4-6F175D3DCCD1}">
+                    <a14:hiddenFill xmlns:a14="http://schemas.microsoft.com/office/drawing/2010/main">
+                      <a:grpFill/>
+                    </a14:hiddenFill>
+                  </a:ext>
+                </a:extLst>
+              </p:spPr>
+              <p:txBody>
+                <a:bodyPr wrap="square" rtlCol="0">
+                  <a:spAutoFit/>
+                </a:bodyPr>
+                <a:p>
+                  <a:pPr algn="ctr"/>
+                  <a:r>
+                    <a:rPr lang="zh-CN" sz="2400" b="1">
+                      <a:latin typeface="+mn-ea"/>
+                      <a:ea typeface="+mn-ea"/>
+                      <a:cs typeface="+mn-ea"/>
+                    </a:rPr>
+                    <a:t>频谱连续性问题</a:t>
+                  </a:r>
+                  <a:endParaRPr lang="zh-CN" sz="2400" b="1">
+                    <a:latin typeface="+mn-ea"/>
+                    <a:ea typeface="+mn-ea"/>
+                    <a:cs typeface="+mn-ea"/>
+                  </a:endParaRPr>
+                </a:p>
+              </p:txBody>
+            </p:sp>
+          </p:grpSp>
+        </p:grpSp>
       </p:grpSp>
     </p:spTree>
   </p:cSld>
